--- a/shockmountam8-present.pptx
+++ b/shockmountam8-present.pptx
@@ -269,7 +269,7 @@
           <a:p>
             <a:fld id="{F2FFB779-270B-4192-84BA-A697F48306DC}" type="datetimeFigureOut">
               <a:rPr lang="ru-RU" smtClean="0"/>
-              <a:t>12.12.2025</a:t>
+              <a:t>16.12.2025</a:t>
             </a:fld>
             <a:endParaRPr lang="ru-RU"/>
           </a:p>
@@ -437,7 +437,7 @@
           <a:p>
             <a:fld id="{F2FFB779-270B-4192-84BA-A697F48306DC}" type="datetimeFigureOut">
               <a:rPr lang="ru-RU" smtClean="0"/>
-              <a:t>12.12.2025</a:t>
+              <a:t>16.12.2025</a:t>
             </a:fld>
             <a:endParaRPr lang="ru-RU"/>
           </a:p>
@@ -615,7 +615,7 @@
           <a:p>
             <a:fld id="{F2FFB779-270B-4192-84BA-A697F48306DC}" type="datetimeFigureOut">
               <a:rPr lang="ru-RU" smtClean="0"/>
-              <a:t>12.12.2025</a:t>
+              <a:t>16.12.2025</a:t>
             </a:fld>
             <a:endParaRPr lang="ru-RU"/>
           </a:p>
@@ -783,7 +783,7 @@
           <a:p>
             <a:fld id="{F2FFB779-270B-4192-84BA-A697F48306DC}" type="datetimeFigureOut">
               <a:rPr lang="ru-RU" smtClean="0"/>
-              <a:t>12.12.2025</a:t>
+              <a:t>16.12.2025</a:t>
             </a:fld>
             <a:endParaRPr lang="ru-RU"/>
           </a:p>
@@ -1028,7 +1028,7 @@
           <a:p>
             <a:fld id="{F2FFB779-270B-4192-84BA-A697F48306DC}" type="datetimeFigureOut">
               <a:rPr lang="ru-RU" smtClean="0"/>
-              <a:t>12.12.2025</a:t>
+              <a:t>16.12.2025</a:t>
             </a:fld>
             <a:endParaRPr lang="ru-RU"/>
           </a:p>
@@ -1257,7 +1257,7 @@
           <a:p>
             <a:fld id="{F2FFB779-270B-4192-84BA-A697F48306DC}" type="datetimeFigureOut">
               <a:rPr lang="ru-RU" smtClean="0"/>
-              <a:t>12.12.2025</a:t>
+              <a:t>16.12.2025</a:t>
             </a:fld>
             <a:endParaRPr lang="ru-RU"/>
           </a:p>
@@ -1621,7 +1621,7 @@
           <a:p>
             <a:fld id="{F2FFB779-270B-4192-84BA-A697F48306DC}" type="datetimeFigureOut">
               <a:rPr lang="ru-RU" smtClean="0"/>
-              <a:t>12.12.2025</a:t>
+              <a:t>16.12.2025</a:t>
             </a:fld>
             <a:endParaRPr lang="ru-RU"/>
           </a:p>
@@ -1738,7 +1738,7 @@
           <a:p>
             <a:fld id="{F2FFB779-270B-4192-84BA-A697F48306DC}" type="datetimeFigureOut">
               <a:rPr lang="ru-RU" smtClean="0"/>
-              <a:t>12.12.2025</a:t>
+              <a:t>16.12.2025</a:t>
             </a:fld>
             <a:endParaRPr lang="ru-RU"/>
           </a:p>
@@ -1833,7 +1833,7 @@
           <a:p>
             <a:fld id="{F2FFB779-270B-4192-84BA-A697F48306DC}" type="datetimeFigureOut">
               <a:rPr lang="ru-RU" smtClean="0"/>
-              <a:t>12.12.2025</a:t>
+              <a:t>16.12.2025</a:t>
             </a:fld>
             <a:endParaRPr lang="ru-RU"/>
           </a:p>
@@ -2108,7 +2108,7 @@
           <a:p>
             <a:fld id="{F2FFB779-270B-4192-84BA-A697F48306DC}" type="datetimeFigureOut">
               <a:rPr lang="ru-RU" smtClean="0"/>
-              <a:t>12.12.2025</a:t>
+              <a:t>16.12.2025</a:t>
             </a:fld>
             <a:endParaRPr lang="ru-RU"/>
           </a:p>
@@ -2360,7 +2360,7 @@
           <a:p>
             <a:fld id="{F2FFB779-270B-4192-84BA-A697F48306DC}" type="datetimeFigureOut">
               <a:rPr lang="ru-RU" smtClean="0"/>
-              <a:t>12.12.2025</a:t>
+              <a:t>16.12.2025</a:t>
             </a:fld>
             <a:endParaRPr lang="ru-RU"/>
           </a:p>
@@ -2571,7 +2571,7 @@
           <a:p>
             <a:fld id="{F2FFB779-270B-4192-84BA-A697F48306DC}" type="datetimeFigureOut">
               <a:rPr lang="ru-RU" smtClean="0"/>
-              <a:t>12.12.2025</a:t>
+              <a:t>16.12.2025</a:t>
             </a:fld>
             <a:endParaRPr lang="ru-RU"/>
           </a:p>
@@ -3146,103 +3146,103 @@
           <a:custGeom>
             <a:avLst/>
             <a:gdLst>
-              <a:gd name="csX0" fmla="*/ 0 w 5410200"/>
-              <a:gd name="csY0" fmla="*/ 0 h 18288"/>
-              <a:gd name="csX1" fmla="*/ 568071 w 5410200"/>
-              <a:gd name="csY1" fmla="*/ 0 h 18288"/>
-              <a:gd name="csX2" fmla="*/ 1298448 w 5410200"/>
-              <a:gd name="csY2" fmla="*/ 0 h 18288"/>
-              <a:gd name="csX3" fmla="*/ 1920621 w 5410200"/>
-              <a:gd name="csY3" fmla="*/ 0 h 18288"/>
-              <a:gd name="csX4" fmla="*/ 2488692 w 5410200"/>
-              <a:gd name="csY4" fmla="*/ 0 h 18288"/>
-              <a:gd name="csX5" fmla="*/ 3219069 w 5410200"/>
-              <a:gd name="csY5" fmla="*/ 0 h 18288"/>
-              <a:gd name="csX6" fmla="*/ 3895344 w 5410200"/>
-              <a:gd name="csY6" fmla="*/ 0 h 18288"/>
-              <a:gd name="csX7" fmla="*/ 4571619 w 5410200"/>
-              <a:gd name="csY7" fmla="*/ 0 h 18288"/>
-              <a:gd name="csX8" fmla="*/ 5410200 w 5410200"/>
-              <a:gd name="csY8" fmla="*/ 0 h 18288"/>
-              <a:gd name="csX9" fmla="*/ 5410200 w 5410200"/>
-              <a:gd name="csY9" fmla="*/ 18288 h 18288"/>
-              <a:gd name="csX10" fmla="*/ 4842129 w 5410200"/>
-              <a:gd name="csY10" fmla="*/ 18288 h 18288"/>
-              <a:gd name="csX11" fmla="*/ 4328160 w 5410200"/>
-              <a:gd name="csY11" fmla="*/ 18288 h 18288"/>
-              <a:gd name="csX12" fmla="*/ 3597783 w 5410200"/>
-              <a:gd name="csY12" fmla="*/ 18288 h 18288"/>
-              <a:gd name="csX13" fmla="*/ 3029712 w 5410200"/>
-              <a:gd name="csY13" fmla="*/ 18288 h 18288"/>
-              <a:gd name="csX14" fmla="*/ 2299335 w 5410200"/>
-              <a:gd name="csY14" fmla="*/ 18288 h 18288"/>
-              <a:gd name="csX15" fmla="*/ 1514856 w 5410200"/>
-              <a:gd name="csY15" fmla="*/ 18288 h 18288"/>
-              <a:gd name="csX16" fmla="*/ 892683 w 5410200"/>
-              <a:gd name="csY16" fmla="*/ 18288 h 18288"/>
-              <a:gd name="csX17" fmla="*/ 0 w 5410200"/>
-              <a:gd name="csY17" fmla="*/ 18288 h 18288"/>
-              <a:gd name="csX18" fmla="*/ 0 w 5410200"/>
-              <a:gd name="csY18" fmla="*/ 0 h 18288"/>
+              <a:gd name="connsiteX0" fmla="*/ 0 w 5410200"/>
+              <a:gd name="connsiteY0" fmla="*/ 0 h 18288"/>
+              <a:gd name="connsiteX1" fmla="*/ 568071 w 5410200"/>
+              <a:gd name="connsiteY1" fmla="*/ 0 h 18288"/>
+              <a:gd name="connsiteX2" fmla="*/ 1298448 w 5410200"/>
+              <a:gd name="connsiteY2" fmla="*/ 0 h 18288"/>
+              <a:gd name="connsiteX3" fmla="*/ 1920621 w 5410200"/>
+              <a:gd name="connsiteY3" fmla="*/ 0 h 18288"/>
+              <a:gd name="connsiteX4" fmla="*/ 2488692 w 5410200"/>
+              <a:gd name="connsiteY4" fmla="*/ 0 h 18288"/>
+              <a:gd name="connsiteX5" fmla="*/ 3219069 w 5410200"/>
+              <a:gd name="connsiteY5" fmla="*/ 0 h 18288"/>
+              <a:gd name="connsiteX6" fmla="*/ 3895344 w 5410200"/>
+              <a:gd name="connsiteY6" fmla="*/ 0 h 18288"/>
+              <a:gd name="connsiteX7" fmla="*/ 4571619 w 5410200"/>
+              <a:gd name="connsiteY7" fmla="*/ 0 h 18288"/>
+              <a:gd name="connsiteX8" fmla="*/ 5410200 w 5410200"/>
+              <a:gd name="connsiteY8" fmla="*/ 0 h 18288"/>
+              <a:gd name="connsiteX9" fmla="*/ 5410200 w 5410200"/>
+              <a:gd name="connsiteY9" fmla="*/ 18288 h 18288"/>
+              <a:gd name="connsiteX10" fmla="*/ 4842129 w 5410200"/>
+              <a:gd name="connsiteY10" fmla="*/ 18288 h 18288"/>
+              <a:gd name="connsiteX11" fmla="*/ 4328160 w 5410200"/>
+              <a:gd name="connsiteY11" fmla="*/ 18288 h 18288"/>
+              <a:gd name="connsiteX12" fmla="*/ 3597783 w 5410200"/>
+              <a:gd name="connsiteY12" fmla="*/ 18288 h 18288"/>
+              <a:gd name="connsiteX13" fmla="*/ 3029712 w 5410200"/>
+              <a:gd name="connsiteY13" fmla="*/ 18288 h 18288"/>
+              <a:gd name="connsiteX14" fmla="*/ 2299335 w 5410200"/>
+              <a:gd name="connsiteY14" fmla="*/ 18288 h 18288"/>
+              <a:gd name="connsiteX15" fmla="*/ 1514856 w 5410200"/>
+              <a:gd name="connsiteY15" fmla="*/ 18288 h 18288"/>
+              <a:gd name="connsiteX16" fmla="*/ 892683 w 5410200"/>
+              <a:gd name="connsiteY16" fmla="*/ 18288 h 18288"/>
+              <a:gd name="connsiteX17" fmla="*/ 0 w 5410200"/>
+              <a:gd name="connsiteY17" fmla="*/ 18288 h 18288"/>
+              <a:gd name="connsiteX18" fmla="*/ 0 w 5410200"/>
+              <a:gd name="connsiteY18" fmla="*/ 0 h 18288"/>
             </a:gdLst>
             <a:ahLst/>
             <a:cxnLst>
               <a:cxn ang="0">
-                <a:pos x="csX0" y="csY0"/>
+                <a:pos x="connsiteX0" y="connsiteY0"/>
               </a:cxn>
               <a:cxn ang="0">
-                <a:pos x="csX1" y="csY1"/>
+                <a:pos x="connsiteX1" y="connsiteY1"/>
               </a:cxn>
               <a:cxn ang="0">
-                <a:pos x="csX2" y="csY2"/>
+                <a:pos x="connsiteX2" y="connsiteY2"/>
               </a:cxn>
               <a:cxn ang="0">
-                <a:pos x="csX3" y="csY3"/>
+                <a:pos x="connsiteX3" y="connsiteY3"/>
               </a:cxn>
               <a:cxn ang="0">
-                <a:pos x="csX4" y="csY4"/>
+                <a:pos x="connsiteX4" y="connsiteY4"/>
               </a:cxn>
               <a:cxn ang="0">
-                <a:pos x="csX5" y="csY5"/>
+                <a:pos x="connsiteX5" y="connsiteY5"/>
               </a:cxn>
               <a:cxn ang="0">
-                <a:pos x="csX6" y="csY6"/>
+                <a:pos x="connsiteX6" y="connsiteY6"/>
               </a:cxn>
               <a:cxn ang="0">
-                <a:pos x="csX7" y="csY7"/>
+                <a:pos x="connsiteX7" y="connsiteY7"/>
               </a:cxn>
               <a:cxn ang="0">
-                <a:pos x="csX8" y="csY8"/>
+                <a:pos x="connsiteX8" y="connsiteY8"/>
               </a:cxn>
               <a:cxn ang="0">
-                <a:pos x="csX9" y="csY9"/>
+                <a:pos x="connsiteX9" y="connsiteY9"/>
               </a:cxn>
               <a:cxn ang="0">
-                <a:pos x="csX10" y="csY10"/>
+                <a:pos x="connsiteX10" y="connsiteY10"/>
               </a:cxn>
               <a:cxn ang="0">
-                <a:pos x="csX11" y="csY11"/>
+                <a:pos x="connsiteX11" y="connsiteY11"/>
               </a:cxn>
               <a:cxn ang="0">
-                <a:pos x="csX12" y="csY12"/>
+                <a:pos x="connsiteX12" y="connsiteY12"/>
               </a:cxn>
               <a:cxn ang="0">
-                <a:pos x="csX13" y="csY13"/>
+                <a:pos x="connsiteX13" y="connsiteY13"/>
               </a:cxn>
               <a:cxn ang="0">
-                <a:pos x="csX14" y="csY14"/>
+                <a:pos x="connsiteX14" y="connsiteY14"/>
               </a:cxn>
               <a:cxn ang="0">
-                <a:pos x="csX15" y="csY15"/>
+                <a:pos x="connsiteX15" y="connsiteY15"/>
               </a:cxn>
               <a:cxn ang="0">
-                <a:pos x="csX16" y="csY16"/>
+                <a:pos x="connsiteX16" y="connsiteY16"/>
               </a:cxn>
               <a:cxn ang="0">
-                <a:pos x="csX17" y="csY17"/>
+                <a:pos x="connsiteX17" y="connsiteY17"/>
               </a:cxn>
               <a:cxn ang="0">
-                <a:pos x="csX18" y="csY18"/>
+                <a:pos x="connsiteX18" y="connsiteY18"/>
               </a:cxn>
             </a:cxnLst>
             <a:rect l="l" t="t" r="r" b="b"/>
@@ -5881,8 +5881,8 @@
         </p:nvSpPr>
         <p:spPr>
           <a:xfrm>
-            <a:off x="841248" y="548640"/>
-            <a:ext cx="3600860" cy="5431536"/>
+            <a:off x="182880" y="548640"/>
+            <a:ext cx="4259228" cy="5431536"/>
           </a:xfrm>
         </p:spPr>
         <p:txBody>
@@ -5940,93 +5940,93 @@
           <a:custGeom>
             <a:avLst/>
             <a:gdLst>
-              <a:gd name="csX0" fmla="*/ 0 w 4480560"/>
-              <a:gd name="csY0" fmla="*/ 0 h 18288"/>
-              <a:gd name="csX1" fmla="*/ 595274 w 4480560"/>
-              <a:gd name="csY1" fmla="*/ 0 h 18288"/>
-              <a:gd name="csX2" fmla="*/ 1100938 w 4480560"/>
-              <a:gd name="csY2" fmla="*/ 0 h 18288"/>
-              <a:gd name="csX3" fmla="*/ 1651406 w 4480560"/>
-              <a:gd name="csY3" fmla="*/ 0 h 18288"/>
-              <a:gd name="csX4" fmla="*/ 2336292 w 4480560"/>
-              <a:gd name="csY4" fmla="*/ 0 h 18288"/>
-              <a:gd name="csX5" fmla="*/ 2931566 w 4480560"/>
-              <a:gd name="csY5" fmla="*/ 0 h 18288"/>
-              <a:gd name="csX6" fmla="*/ 3482035 w 4480560"/>
-              <a:gd name="csY6" fmla="*/ 0 h 18288"/>
-              <a:gd name="csX7" fmla="*/ 4480560 w 4480560"/>
-              <a:gd name="csY7" fmla="*/ 0 h 18288"/>
-              <a:gd name="csX8" fmla="*/ 4480560 w 4480560"/>
-              <a:gd name="csY8" fmla="*/ 18288 h 18288"/>
-              <a:gd name="csX9" fmla="*/ 3840480 w 4480560"/>
-              <a:gd name="csY9" fmla="*/ 18288 h 18288"/>
-              <a:gd name="csX10" fmla="*/ 3290011 w 4480560"/>
-              <a:gd name="csY10" fmla="*/ 18288 h 18288"/>
-              <a:gd name="csX11" fmla="*/ 2560320 w 4480560"/>
-              <a:gd name="csY11" fmla="*/ 18288 h 18288"/>
-              <a:gd name="csX12" fmla="*/ 1965046 w 4480560"/>
-              <a:gd name="csY12" fmla="*/ 18288 h 18288"/>
-              <a:gd name="csX13" fmla="*/ 1459382 w 4480560"/>
-              <a:gd name="csY13" fmla="*/ 18288 h 18288"/>
-              <a:gd name="csX14" fmla="*/ 774497 w 4480560"/>
-              <a:gd name="csY14" fmla="*/ 18288 h 18288"/>
-              <a:gd name="csX15" fmla="*/ 0 w 4480560"/>
-              <a:gd name="csY15" fmla="*/ 18288 h 18288"/>
-              <a:gd name="csX16" fmla="*/ 0 w 4480560"/>
-              <a:gd name="csY16" fmla="*/ 0 h 18288"/>
+              <a:gd name="connsiteX0" fmla="*/ 0 w 4480560"/>
+              <a:gd name="connsiteY0" fmla="*/ 0 h 18288"/>
+              <a:gd name="connsiteX1" fmla="*/ 595274 w 4480560"/>
+              <a:gd name="connsiteY1" fmla="*/ 0 h 18288"/>
+              <a:gd name="connsiteX2" fmla="*/ 1100938 w 4480560"/>
+              <a:gd name="connsiteY2" fmla="*/ 0 h 18288"/>
+              <a:gd name="connsiteX3" fmla="*/ 1651406 w 4480560"/>
+              <a:gd name="connsiteY3" fmla="*/ 0 h 18288"/>
+              <a:gd name="connsiteX4" fmla="*/ 2336292 w 4480560"/>
+              <a:gd name="connsiteY4" fmla="*/ 0 h 18288"/>
+              <a:gd name="connsiteX5" fmla="*/ 2931566 w 4480560"/>
+              <a:gd name="connsiteY5" fmla="*/ 0 h 18288"/>
+              <a:gd name="connsiteX6" fmla="*/ 3482035 w 4480560"/>
+              <a:gd name="connsiteY6" fmla="*/ 0 h 18288"/>
+              <a:gd name="connsiteX7" fmla="*/ 4480560 w 4480560"/>
+              <a:gd name="connsiteY7" fmla="*/ 0 h 18288"/>
+              <a:gd name="connsiteX8" fmla="*/ 4480560 w 4480560"/>
+              <a:gd name="connsiteY8" fmla="*/ 18288 h 18288"/>
+              <a:gd name="connsiteX9" fmla="*/ 3840480 w 4480560"/>
+              <a:gd name="connsiteY9" fmla="*/ 18288 h 18288"/>
+              <a:gd name="connsiteX10" fmla="*/ 3290011 w 4480560"/>
+              <a:gd name="connsiteY10" fmla="*/ 18288 h 18288"/>
+              <a:gd name="connsiteX11" fmla="*/ 2560320 w 4480560"/>
+              <a:gd name="connsiteY11" fmla="*/ 18288 h 18288"/>
+              <a:gd name="connsiteX12" fmla="*/ 1965046 w 4480560"/>
+              <a:gd name="connsiteY12" fmla="*/ 18288 h 18288"/>
+              <a:gd name="connsiteX13" fmla="*/ 1459382 w 4480560"/>
+              <a:gd name="connsiteY13" fmla="*/ 18288 h 18288"/>
+              <a:gd name="connsiteX14" fmla="*/ 774497 w 4480560"/>
+              <a:gd name="connsiteY14" fmla="*/ 18288 h 18288"/>
+              <a:gd name="connsiteX15" fmla="*/ 0 w 4480560"/>
+              <a:gd name="connsiteY15" fmla="*/ 18288 h 18288"/>
+              <a:gd name="connsiteX16" fmla="*/ 0 w 4480560"/>
+              <a:gd name="connsiteY16" fmla="*/ 0 h 18288"/>
             </a:gdLst>
             <a:ahLst/>
             <a:cxnLst>
               <a:cxn ang="0">
-                <a:pos x="csX0" y="csY0"/>
+                <a:pos x="connsiteX0" y="connsiteY0"/>
               </a:cxn>
               <a:cxn ang="0">
-                <a:pos x="csX1" y="csY1"/>
+                <a:pos x="connsiteX1" y="connsiteY1"/>
               </a:cxn>
               <a:cxn ang="0">
-                <a:pos x="csX2" y="csY2"/>
+                <a:pos x="connsiteX2" y="connsiteY2"/>
               </a:cxn>
               <a:cxn ang="0">
-                <a:pos x="csX3" y="csY3"/>
+                <a:pos x="connsiteX3" y="connsiteY3"/>
               </a:cxn>
               <a:cxn ang="0">
-                <a:pos x="csX4" y="csY4"/>
+                <a:pos x="connsiteX4" y="connsiteY4"/>
               </a:cxn>
               <a:cxn ang="0">
-                <a:pos x="csX5" y="csY5"/>
+                <a:pos x="connsiteX5" y="connsiteY5"/>
               </a:cxn>
               <a:cxn ang="0">
-                <a:pos x="csX6" y="csY6"/>
+                <a:pos x="connsiteX6" y="connsiteY6"/>
               </a:cxn>
               <a:cxn ang="0">
-                <a:pos x="csX7" y="csY7"/>
+                <a:pos x="connsiteX7" y="connsiteY7"/>
               </a:cxn>
               <a:cxn ang="0">
-                <a:pos x="csX8" y="csY8"/>
+                <a:pos x="connsiteX8" y="connsiteY8"/>
               </a:cxn>
               <a:cxn ang="0">
-                <a:pos x="csX9" y="csY9"/>
+                <a:pos x="connsiteX9" y="connsiteY9"/>
               </a:cxn>
               <a:cxn ang="0">
-                <a:pos x="csX10" y="csY10"/>
+                <a:pos x="connsiteX10" y="connsiteY10"/>
               </a:cxn>
               <a:cxn ang="0">
-                <a:pos x="csX11" y="csY11"/>
+                <a:pos x="connsiteX11" y="connsiteY11"/>
               </a:cxn>
               <a:cxn ang="0">
-                <a:pos x="csX12" y="csY12"/>
+                <a:pos x="connsiteX12" y="connsiteY12"/>
               </a:cxn>
               <a:cxn ang="0">
-                <a:pos x="csX13" y="csY13"/>
+                <a:pos x="connsiteX13" y="connsiteY13"/>
               </a:cxn>
               <a:cxn ang="0">
-                <a:pos x="csX14" y="csY14"/>
+                <a:pos x="connsiteX14" y="connsiteY14"/>
               </a:cxn>
               <a:cxn ang="0">
-                <a:pos x="csX15" y="csY15"/>
+                <a:pos x="connsiteX15" y="connsiteY15"/>
               </a:cxn>
               <a:cxn ang="0">
-                <a:pos x="csX16" y="csY16"/>
+                <a:pos x="connsiteX16" y="connsiteY16"/>
               </a:cxn>
             </a:cxnLst>
             <a:rect l="l" t="t" r="r" b="b"/>
@@ -6804,43 +6804,43 @@
           <a:custGeom>
             <a:avLst/>
             <a:gdLst>
-              <a:gd name="csX0" fmla="*/ 0 w 1371600"/>
-              <a:gd name="csY0" fmla="*/ 0 h 18288"/>
-              <a:gd name="csX1" fmla="*/ 685800 w 1371600"/>
-              <a:gd name="csY1" fmla="*/ 0 h 18288"/>
-              <a:gd name="csX2" fmla="*/ 1371600 w 1371600"/>
-              <a:gd name="csY2" fmla="*/ 0 h 18288"/>
-              <a:gd name="csX3" fmla="*/ 1371600 w 1371600"/>
-              <a:gd name="csY3" fmla="*/ 18288 h 18288"/>
-              <a:gd name="csX4" fmla="*/ 713232 w 1371600"/>
-              <a:gd name="csY4" fmla="*/ 18288 h 18288"/>
-              <a:gd name="csX5" fmla="*/ 0 w 1371600"/>
-              <a:gd name="csY5" fmla="*/ 18288 h 18288"/>
-              <a:gd name="csX6" fmla="*/ 0 w 1371600"/>
-              <a:gd name="csY6" fmla="*/ 0 h 18288"/>
+              <a:gd name="connsiteX0" fmla="*/ 0 w 1371600"/>
+              <a:gd name="connsiteY0" fmla="*/ 0 h 18288"/>
+              <a:gd name="connsiteX1" fmla="*/ 685800 w 1371600"/>
+              <a:gd name="connsiteY1" fmla="*/ 0 h 18288"/>
+              <a:gd name="connsiteX2" fmla="*/ 1371600 w 1371600"/>
+              <a:gd name="connsiteY2" fmla="*/ 0 h 18288"/>
+              <a:gd name="connsiteX3" fmla="*/ 1371600 w 1371600"/>
+              <a:gd name="connsiteY3" fmla="*/ 18288 h 18288"/>
+              <a:gd name="connsiteX4" fmla="*/ 713232 w 1371600"/>
+              <a:gd name="connsiteY4" fmla="*/ 18288 h 18288"/>
+              <a:gd name="connsiteX5" fmla="*/ 0 w 1371600"/>
+              <a:gd name="connsiteY5" fmla="*/ 18288 h 18288"/>
+              <a:gd name="connsiteX6" fmla="*/ 0 w 1371600"/>
+              <a:gd name="connsiteY6" fmla="*/ 0 h 18288"/>
             </a:gdLst>
             <a:ahLst/>
             <a:cxnLst>
               <a:cxn ang="0">
-                <a:pos x="csX0" y="csY0"/>
+                <a:pos x="connsiteX0" y="connsiteY0"/>
               </a:cxn>
               <a:cxn ang="0">
-                <a:pos x="csX1" y="csY1"/>
+                <a:pos x="connsiteX1" y="connsiteY1"/>
               </a:cxn>
               <a:cxn ang="0">
-                <a:pos x="csX2" y="csY2"/>
+                <a:pos x="connsiteX2" y="connsiteY2"/>
               </a:cxn>
               <a:cxn ang="0">
-                <a:pos x="csX3" y="csY3"/>
+                <a:pos x="connsiteX3" y="connsiteY3"/>
               </a:cxn>
               <a:cxn ang="0">
-                <a:pos x="csX4" y="csY4"/>
+                <a:pos x="connsiteX4" y="connsiteY4"/>
               </a:cxn>
               <a:cxn ang="0">
-                <a:pos x="csX5" y="csY5"/>
+                <a:pos x="connsiteX5" y="connsiteY5"/>
               </a:cxn>
               <a:cxn ang="0">
-                <a:pos x="csX6" y="csY6"/>
+                <a:pos x="connsiteX6" y="connsiteY6"/>
               </a:cxn>
             </a:cxnLst>
             <a:rect l="l" t="t" r="r" b="b"/>
@@ -16560,198 +16560,198 @@
           <a:custGeom>
             <a:avLst/>
             <a:gdLst>
-              <a:gd name="csX0" fmla="*/ 0 w 10972800"/>
-              <a:gd name="csY0" fmla="*/ 0 h 18288"/>
-              <a:gd name="csX1" fmla="*/ 356616 w 10972800"/>
-              <a:gd name="csY1" fmla="*/ 0 h 18288"/>
-              <a:gd name="csX2" fmla="*/ 1042416 w 10972800"/>
-              <a:gd name="csY2" fmla="*/ 0 h 18288"/>
-              <a:gd name="csX3" fmla="*/ 1947672 w 10972800"/>
-              <a:gd name="csY3" fmla="*/ 0 h 18288"/>
-              <a:gd name="csX4" fmla="*/ 2633472 w 10972800"/>
-              <a:gd name="csY4" fmla="*/ 0 h 18288"/>
-              <a:gd name="csX5" fmla="*/ 2990088 w 10972800"/>
-              <a:gd name="csY5" fmla="*/ 0 h 18288"/>
-              <a:gd name="csX6" fmla="*/ 3456432 w 10972800"/>
-              <a:gd name="csY6" fmla="*/ 0 h 18288"/>
-              <a:gd name="csX7" fmla="*/ 4361688 w 10972800"/>
-              <a:gd name="csY7" fmla="*/ 0 h 18288"/>
-              <a:gd name="csX8" fmla="*/ 5266944 w 10972800"/>
-              <a:gd name="csY8" fmla="*/ 0 h 18288"/>
-              <a:gd name="csX9" fmla="*/ 6172200 w 10972800"/>
-              <a:gd name="csY9" fmla="*/ 0 h 18288"/>
-              <a:gd name="csX10" fmla="*/ 6528816 w 10972800"/>
-              <a:gd name="csY10" fmla="*/ 0 h 18288"/>
-              <a:gd name="csX11" fmla="*/ 7214616 w 10972800"/>
-              <a:gd name="csY11" fmla="*/ 0 h 18288"/>
-              <a:gd name="csX12" fmla="*/ 7790688 w 10972800"/>
-              <a:gd name="csY12" fmla="*/ 0 h 18288"/>
-              <a:gd name="csX13" fmla="*/ 8147304 w 10972800"/>
-              <a:gd name="csY13" fmla="*/ 0 h 18288"/>
-              <a:gd name="csX14" fmla="*/ 9052560 w 10972800"/>
-              <a:gd name="csY14" fmla="*/ 0 h 18288"/>
-              <a:gd name="csX15" fmla="*/ 9409176 w 10972800"/>
-              <a:gd name="csY15" fmla="*/ 0 h 18288"/>
-              <a:gd name="csX16" fmla="*/ 9765792 w 10972800"/>
-              <a:gd name="csY16" fmla="*/ 0 h 18288"/>
-              <a:gd name="csX17" fmla="*/ 10341864 w 10972800"/>
-              <a:gd name="csY17" fmla="*/ 0 h 18288"/>
-              <a:gd name="csX18" fmla="*/ 10972800 w 10972800"/>
-              <a:gd name="csY18" fmla="*/ 0 h 18288"/>
-              <a:gd name="csX19" fmla="*/ 10972800 w 10972800"/>
-              <a:gd name="csY19" fmla="*/ 18288 h 18288"/>
-              <a:gd name="csX20" fmla="*/ 10177272 w 10972800"/>
-              <a:gd name="csY20" fmla="*/ 18288 h 18288"/>
-              <a:gd name="csX21" fmla="*/ 9820656 w 10972800"/>
-              <a:gd name="csY21" fmla="*/ 18288 h 18288"/>
-              <a:gd name="csX22" fmla="*/ 9464040 w 10972800"/>
-              <a:gd name="csY22" fmla="*/ 18288 h 18288"/>
-              <a:gd name="csX23" fmla="*/ 8778240 w 10972800"/>
-              <a:gd name="csY23" fmla="*/ 18288 h 18288"/>
-              <a:gd name="csX24" fmla="*/ 8421624 w 10972800"/>
-              <a:gd name="csY24" fmla="*/ 18288 h 18288"/>
-              <a:gd name="csX25" fmla="*/ 7735824 w 10972800"/>
-              <a:gd name="csY25" fmla="*/ 18288 h 18288"/>
-              <a:gd name="csX26" fmla="*/ 6940296 w 10972800"/>
-              <a:gd name="csY26" fmla="*/ 18288 h 18288"/>
-              <a:gd name="csX27" fmla="*/ 6254496 w 10972800"/>
-              <a:gd name="csY27" fmla="*/ 18288 h 18288"/>
-              <a:gd name="csX28" fmla="*/ 5458968 w 10972800"/>
-              <a:gd name="csY28" fmla="*/ 18288 h 18288"/>
-              <a:gd name="csX29" fmla="*/ 4663440 w 10972800"/>
-              <a:gd name="csY29" fmla="*/ 18288 h 18288"/>
-              <a:gd name="csX30" fmla="*/ 4306824 w 10972800"/>
-              <a:gd name="csY30" fmla="*/ 18288 h 18288"/>
-              <a:gd name="csX31" fmla="*/ 3840480 w 10972800"/>
-              <a:gd name="csY31" fmla="*/ 18288 h 18288"/>
-              <a:gd name="csX32" fmla="*/ 3264408 w 10972800"/>
-              <a:gd name="csY32" fmla="*/ 18288 h 18288"/>
-              <a:gd name="csX33" fmla="*/ 2578608 w 10972800"/>
-              <a:gd name="csY33" fmla="*/ 18288 h 18288"/>
-              <a:gd name="csX34" fmla="*/ 1673352 w 10972800"/>
-              <a:gd name="csY34" fmla="*/ 18288 h 18288"/>
-              <a:gd name="csX35" fmla="*/ 877824 w 10972800"/>
-              <a:gd name="csY35" fmla="*/ 18288 h 18288"/>
-              <a:gd name="csX36" fmla="*/ 0 w 10972800"/>
-              <a:gd name="csY36" fmla="*/ 18288 h 18288"/>
-              <a:gd name="csX37" fmla="*/ 0 w 10972800"/>
-              <a:gd name="csY37" fmla="*/ 0 h 18288"/>
+              <a:gd name="connsiteX0" fmla="*/ 0 w 10972800"/>
+              <a:gd name="connsiteY0" fmla="*/ 0 h 18288"/>
+              <a:gd name="connsiteX1" fmla="*/ 356616 w 10972800"/>
+              <a:gd name="connsiteY1" fmla="*/ 0 h 18288"/>
+              <a:gd name="connsiteX2" fmla="*/ 1042416 w 10972800"/>
+              <a:gd name="connsiteY2" fmla="*/ 0 h 18288"/>
+              <a:gd name="connsiteX3" fmla="*/ 1947672 w 10972800"/>
+              <a:gd name="connsiteY3" fmla="*/ 0 h 18288"/>
+              <a:gd name="connsiteX4" fmla="*/ 2633472 w 10972800"/>
+              <a:gd name="connsiteY4" fmla="*/ 0 h 18288"/>
+              <a:gd name="connsiteX5" fmla="*/ 2990088 w 10972800"/>
+              <a:gd name="connsiteY5" fmla="*/ 0 h 18288"/>
+              <a:gd name="connsiteX6" fmla="*/ 3456432 w 10972800"/>
+              <a:gd name="connsiteY6" fmla="*/ 0 h 18288"/>
+              <a:gd name="connsiteX7" fmla="*/ 4361688 w 10972800"/>
+              <a:gd name="connsiteY7" fmla="*/ 0 h 18288"/>
+              <a:gd name="connsiteX8" fmla="*/ 5266944 w 10972800"/>
+              <a:gd name="connsiteY8" fmla="*/ 0 h 18288"/>
+              <a:gd name="connsiteX9" fmla="*/ 6172200 w 10972800"/>
+              <a:gd name="connsiteY9" fmla="*/ 0 h 18288"/>
+              <a:gd name="connsiteX10" fmla="*/ 6528816 w 10972800"/>
+              <a:gd name="connsiteY10" fmla="*/ 0 h 18288"/>
+              <a:gd name="connsiteX11" fmla="*/ 7214616 w 10972800"/>
+              <a:gd name="connsiteY11" fmla="*/ 0 h 18288"/>
+              <a:gd name="connsiteX12" fmla="*/ 7790688 w 10972800"/>
+              <a:gd name="connsiteY12" fmla="*/ 0 h 18288"/>
+              <a:gd name="connsiteX13" fmla="*/ 8147304 w 10972800"/>
+              <a:gd name="connsiteY13" fmla="*/ 0 h 18288"/>
+              <a:gd name="connsiteX14" fmla="*/ 9052560 w 10972800"/>
+              <a:gd name="connsiteY14" fmla="*/ 0 h 18288"/>
+              <a:gd name="connsiteX15" fmla="*/ 9409176 w 10972800"/>
+              <a:gd name="connsiteY15" fmla="*/ 0 h 18288"/>
+              <a:gd name="connsiteX16" fmla="*/ 9765792 w 10972800"/>
+              <a:gd name="connsiteY16" fmla="*/ 0 h 18288"/>
+              <a:gd name="connsiteX17" fmla="*/ 10341864 w 10972800"/>
+              <a:gd name="connsiteY17" fmla="*/ 0 h 18288"/>
+              <a:gd name="connsiteX18" fmla="*/ 10972800 w 10972800"/>
+              <a:gd name="connsiteY18" fmla="*/ 0 h 18288"/>
+              <a:gd name="connsiteX19" fmla="*/ 10972800 w 10972800"/>
+              <a:gd name="connsiteY19" fmla="*/ 18288 h 18288"/>
+              <a:gd name="connsiteX20" fmla="*/ 10177272 w 10972800"/>
+              <a:gd name="connsiteY20" fmla="*/ 18288 h 18288"/>
+              <a:gd name="connsiteX21" fmla="*/ 9820656 w 10972800"/>
+              <a:gd name="connsiteY21" fmla="*/ 18288 h 18288"/>
+              <a:gd name="connsiteX22" fmla="*/ 9464040 w 10972800"/>
+              <a:gd name="connsiteY22" fmla="*/ 18288 h 18288"/>
+              <a:gd name="connsiteX23" fmla="*/ 8778240 w 10972800"/>
+              <a:gd name="connsiteY23" fmla="*/ 18288 h 18288"/>
+              <a:gd name="connsiteX24" fmla="*/ 8421624 w 10972800"/>
+              <a:gd name="connsiteY24" fmla="*/ 18288 h 18288"/>
+              <a:gd name="connsiteX25" fmla="*/ 7735824 w 10972800"/>
+              <a:gd name="connsiteY25" fmla="*/ 18288 h 18288"/>
+              <a:gd name="connsiteX26" fmla="*/ 6940296 w 10972800"/>
+              <a:gd name="connsiteY26" fmla="*/ 18288 h 18288"/>
+              <a:gd name="connsiteX27" fmla="*/ 6254496 w 10972800"/>
+              <a:gd name="connsiteY27" fmla="*/ 18288 h 18288"/>
+              <a:gd name="connsiteX28" fmla="*/ 5458968 w 10972800"/>
+              <a:gd name="connsiteY28" fmla="*/ 18288 h 18288"/>
+              <a:gd name="connsiteX29" fmla="*/ 4663440 w 10972800"/>
+              <a:gd name="connsiteY29" fmla="*/ 18288 h 18288"/>
+              <a:gd name="connsiteX30" fmla="*/ 4306824 w 10972800"/>
+              <a:gd name="connsiteY30" fmla="*/ 18288 h 18288"/>
+              <a:gd name="connsiteX31" fmla="*/ 3840480 w 10972800"/>
+              <a:gd name="connsiteY31" fmla="*/ 18288 h 18288"/>
+              <a:gd name="connsiteX32" fmla="*/ 3264408 w 10972800"/>
+              <a:gd name="connsiteY32" fmla="*/ 18288 h 18288"/>
+              <a:gd name="connsiteX33" fmla="*/ 2578608 w 10972800"/>
+              <a:gd name="connsiteY33" fmla="*/ 18288 h 18288"/>
+              <a:gd name="connsiteX34" fmla="*/ 1673352 w 10972800"/>
+              <a:gd name="connsiteY34" fmla="*/ 18288 h 18288"/>
+              <a:gd name="connsiteX35" fmla="*/ 877824 w 10972800"/>
+              <a:gd name="connsiteY35" fmla="*/ 18288 h 18288"/>
+              <a:gd name="connsiteX36" fmla="*/ 0 w 10972800"/>
+              <a:gd name="connsiteY36" fmla="*/ 18288 h 18288"/>
+              <a:gd name="connsiteX37" fmla="*/ 0 w 10972800"/>
+              <a:gd name="connsiteY37" fmla="*/ 0 h 18288"/>
             </a:gdLst>
             <a:ahLst/>
             <a:cxnLst>
               <a:cxn ang="0">
-                <a:pos x="csX0" y="csY0"/>
+                <a:pos x="connsiteX0" y="connsiteY0"/>
               </a:cxn>
               <a:cxn ang="0">
-                <a:pos x="csX1" y="csY1"/>
+                <a:pos x="connsiteX1" y="connsiteY1"/>
               </a:cxn>
               <a:cxn ang="0">
-                <a:pos x="csX2" y="csY2"/>
+                <a:pos x="connsiteX2" y="connsiteY2"/>
               </a:cxn>
               <a:cxn ang="0">
-                <a:pos x="csX3" y="csY3"/>
+                <a:pos x="connsiteX3" y="connsiteY3"/>
               </a:cxn>
               <a:cxn ang="0">
-                <a:pos x="csX4" y="csY4"/>
+                <a:pos x="connsiteX4" y="connsiteY4"/>
               </a:cxn>
               <a:cxn ang="0">
-                <a:pos x="csX5" y="csY5"/>
+                <a:pos x="connsiteX5" y="connsiteY5"/>
               </a:cxn>
               <a:cxn ang="0">
-                <a:pos x="csX6" y="csY6"/>
+                <a:pos x="connsiteX6" y="connsiteY6"/>
               </a:cxn>
               <a:cxn ang="0">
-                <a:pos x="csX7" y="csY7"/>
+                <a:pos x="connsiteX7" y="connsiteY7"/>
               </a:cxn>
               <a:cxn ang="0">
-                <a:pos x="csX8" y="csY8"/>
+                <a:pos x="connsiteX8" y="connsiteY8"/>
               </a:cxn>
               <a:cxn ang="0">
-                <a:pos x="csX9" y="csY9"/>
+                <a:pos x="connsiteX9" y="connsiteY9"/>
               </a:cxn>
               <a:cxn ang="0">
-                <a:pos x="csX10" y="csY10"/>
+                <a:pos x="connsiteX10" y="connsiteY10"/>
               </a:cxn>
               <a:cxn ang="0">
-                <a:pos x="csX11" y="csY11"/>
+                <a:pos x="connsiteX11" y="connsiteY11"/>
               </a:cxn>
               <a:cxn ang="0">
-                <a:pos x="csX12" y="csY12"/>
+                <a:pos x="connsiteX12" y="connsiteY12"/>
               </a:cxn>
               <a:cxn ang="0">
-                <a:pos x="csX13" y="csY13"/>
+                <a:pos x="connsiteX13" y="connsiteY13"/>
               </a:cxn>
               <a:cxn ang="0">
-                <a:pos x="csX14" y="csY14"/>
+                <a:pos x="connsiteX14" y="connsiteY14"/>
               </a:cxn>
               <a:cxn ang="0">
-                <a:pos x="csX15" y="csY15"/>
+                <a:pos x="connsiteX15" y="connsiteY15"/>
               </a:cxn>
               <a:cxn ang="0">
-                <a:pos x="csX16" y="csY16"/>
+                <a:pos x="connsiteX16" y="connsiteY16"/>
               </a:cxn>
               <a:cxn ang="0">
-                <a:pos x="csX17" y="csY17"/>
+                <a:pos x="connsiteX17" y="connsiteY17"/>
               </a:cxn>
               <a:cxn ang="0">
-                <a:pos x="csX18" y="csY18"/>
+                <a:pos x="connsiteX18" y="connsiteY18"/>
               </a:cxn>
               <a:cxn ang="0">
-                <a:pos x="csX19" y="csY19"/>
+                <a:pos x="connsiteX19" y="connsiteY19"/>
               </a:cxn>
               <a:cxn ang="0">
-                <a:pos x="csX20" y="csY20"/>
+                <a:pos x="connsiteX20" y="connsiteY20"/>
               </a:cxn>
               <a:cxn ang="0">
-                <a:pos x="csX21" y="csY21"/>
+                <a:pos x="connsiteX21" y="connsiteY21"/>
               </a:cxn>
               <a:cxn ang="0">
-                <a:pos x="csX22" y="csY22"/>
+                <a:pos x="connsiteX22" y="connsiteY22"/>
               </a:cxn>
               <a:cxn ang="0">
-                <a:pos x="csX23" y="csY23"/>
+                <a:pos x="connsiteX23" y="connsiteY23"/>
               </a:cxn>
               <a:cxn ang="0">
-                <a:pos x="csX24" y="csY24"/>
+                <a:pos x="connsiteX24" y="connsiteY24"/>
               </a:cxn>
               <a:cxn ang="0">
-                <a:pos x="csX25" y="csY25"/>
+                <a:pos x="connsiteX25" y="connsiteY25"/>
               </a:cxn>
               <a:cxn ang="0">
-                <a:pos x="csX26" y="csY26"/>
+                <a:pos x="connsiteX26" y="connsiteY26"/>
               </a:cxn>
               <a:cxn ang="0">
-                <a:pos x="csX27" y="csY27"/>
+                <a:pos x="connsiteX27" y="connsiteY27"/>
               </a:cxn>
               <a:cxn ang="0">
-                <a:pos x="csX28" y="csY28"/>
+                <a:pos x="connsiteX28" y="connsiteY28"/>
               </a:cxn>
               <a:cxn ang="0">
-                <a:pos x="csX29" y="csY29"/>
+                <a:pos x="connsiteX29" y="connsiteY29"/>
               </a:cxn>
               <a:cxn ang="0">
-                <a:pos x="csX30" y="csY30"/>
+                <a:pos x="connsiteX30" y="connsiteY30"/>
               </a:cxn>
               <a:cxn ang="0">
-                <a:pos x="csX31" y="csY31"/>
+                <a:pos x="connsiteX31" y="connsiteY31"/>
               </a:cxn>
               <a:cxn ang="0">
-                <a:pos x="csX32" y="csY32"/>
+                <a:pos x="connsiteX32" y="connsiteY32"/>
               </a:cxn>
               <a:cxn ang="0">
-                <a:pos x="csX33" y="csY33"/>
+                <a:pos x="connsiteX33" y="connsiteY33"/>
               </a:cxn>
               <a:cxn ang="0">
-                <a:pos x="csX34" y="csY34"/>
+                <a:pos x="connsiteX34" y="connsiteY34"/>
               </a:cxn>
               <a:cxn ang="0">
-                <a:pos x="csX35" y="csY35"/>
+                <a:pos x="connsiteX35" y="connsiteY35"/>
               </a:cxn>
               <a:cxn ang="0">
-                <a:pos x="csX36" y="csY36"/>
+                <a:pos x="connsiteX36" y="connsiteY36"/>
               </a:cxn>
               <a:cxn ang="0">
-                <a:pos x="csX37" y="csY37"/>
+                <a:pos x="connsiteX37" y="connsiteY37"/>
               </a:cxn>
             </a:cxnLst>
             <a:rect l="l" t="t" r="r" b="b"/>
@@ -17630,93 +17630,93 @@
           <a:custGeom>
             <a:avLst/>
             <a:gdLst>
-              <a:gd name="csX0" fmla="*/ 0 w 4480560"/>
-              <a:gd name="csY0" fmla="*/ 0 h 18288"/>
-              <a:gd name="csX1" fmla="*/ 595274 w 4480560"/>
-              <a:gd name="csY1" fmla="*/ 0 h 18288"/>
-              <a:gd name="csX2" fmla="*/ 1100938 w 4480560"/>
-              <a:gd name="csY2" fmla="*/ 0 h 18288"/>
-              <a:gd name="csX3" fmla="*/ 1651406 w 4480560"/>
-              <a:gd name="csY3" fmla="*/ 0 h 18288"/>
-              <a:gd name="csX4" fmla="*/ 2336292 w 4480560"/>
-              <a:gd name="csY4" fmla="*/ 0 h 18288"/>
-              <a:gd name="csX5" fmla="*/ 2931566 w 4480560"/>
-              <a:gd name="csY5" fmla="*/ 0 h 18288"/>
-              <a:gd name="csX6" fmla="*/ 3482035 w 4480560"/>
-              <a:gd name="csY6" fmla="*/ 0 h 18288"/>
-              <a:gd name="csX7" fmla="*/ 4480560 w 4480560"/>
-              <a:gd name="csY7" fmla="*/ 0 h 18288"/>
-              <a:gd name="csX8" fmla="*/ 4480560 w 4480560"/>
-              <a:gd name="csY8" fmla="*/ 18288 h 18288"/>
-              <a:gd name="csX9" fmla="*/ 3840480 w 4480560"/>
-              <a:gd name="csY9" fmla="*/ 18288 h 18288"/>
-              <a:gd name="csX10" fmla="*/ 3290011 w 4480560"/>
-              <a:gd name="csY10" fmla="*/ 18288 h 18288"/>
-              <a:gd name="csX11" fmla="*/ 2560320 w 4480560"/>
-              <a:gd name="csY11" fmla="*/ 18288 h 18288"/>
-              <a:gd name="csX12" fmla="*/ 1965046 w 4480560"/>
-              <a:gd name="csY12" fmla="*/ 18288 h 18288"/>
-              <a:gd name="csX13" fmla="*/ 1459382 w 4480560"/>
-              <a:gd name="csY13" fmla="*/ 18288 h 18288"/>
-              <a:gd name="csX14" fmla="*/ 774497 w 4480560"/>
-              <a:gd name="csY14" fmla="*/ 18288 h 18288"/>
-              <a:gd name="csX15" fmla="*/ 0 w 4480560"/>
-              <a:gd name="csY15" fmla="*/ 18288 h 18288"/>
-              <a:gd name="csX16" fmla="*/ 0 w 4480560"/>
-              <a:gd name="csY16" fmla="*/ 0 h 18288"/>
+              <a:gd name="connsiteX0" fmla="*/ 0 w 4480560"/>
+              <a:gd name="connsiteY0" fmla="*/ 0 h 18288"/>
+              <a:gd name="connsiteX1" fmla="*/ 595274 w 4480560"/>
+              <a:gd name="connsiteY1" fmla="*/ 0 h 18288"/>
+              <a:gd name="connsiteX2" fmla="*/ 1100938 w 4480560"/>
+              <a:gd name="connsiteY2" fmla="*/ 0 h 18288"/>
+              <a:gd name="connsiteX3" fmla="*/ 1651406 w 4480560"/>
+              <a:gd name="connsiteY3" fmla="*/ 0 h 18288"/>
+              <a:gd name="connsiteX4" fmla="*/ 2336292 w 4480560"/>
+              <a:gd name="connsiteY4" fmla="*/ 0 h 18288"/>
+              <a:gd name="connsiteX5" fmla="*/ 2931566 w 4480560"/>
+              <a:gd name="connsiteY5" fmla="*/ 0 h 18288"/>
+              <a:gd name="connsiteX6" fmla="*/ 3482035 w 4480560"/>
+              <a:gd name="connsiteY6" fmla="*/ 0 h 18288"/>
+              <a:gd name="connsiteX7" fmla="*/ 4480560 w 4480560"/>
+              <a:gd name="connsiteY7" fmla="*/ 0 h 18288"/>
+              <a:gd name="connsiteX8" fmla="*/ 4480560 w 4480560"/>
+              <a:gd name="connsiteY8" fmla="*/ 18288 h 18288"/>
+              <a:gd name="connsiteX9" fmla="*/ 3840480 w 4480560"/>
+              <a:gd name="connsiteY9" fmla="*/ 18288 h 18288"/>
+              <a:gd name="connsiteX10" fmla="*/ 3290011 w 4480560"/>
+              <a:gd name="connsiteY10" fmla="*/ 18288 h 18288"/>
+              <a:gd name="connsiteX11" fmla="*/ 2560320 w 4480560"/>
+              <a:gd name="connsiteY11" fmla="*/ 18288 h 18288"/>
+              <a:gd name="connsiteX12" fmla="*/ 1965046 w 4480560"/>
+              <a:gd name="connsiteY12" fmla="*/ 18288 h 18288"/>
+              <a:gd name="connsiteX13" fmla="*/ 1459382 w 4480560"/>
+              <a:gd name="connsiteY13" fmla="*/ 18288 h 18288"/>
+              <a:gd name="connsiteX14" fmla="*/ 774497 w 4480560"/>
+              <a:gd name="connsiteY14" fmla="*/ 18288 h 18288"/>
+              <a:gd name="connsiteX15" fmla="*/ 0 w 4480560"/>
+              <a:gd name="connsiteY15" fmla="*/ 18288 h 18288"/>
+              <a:gd name="connsiteX16" fmla="*/ 0 w 4480560"/>
+              <a:gd name="connsiteY16" fmla="*/ 0 h 18288"/>
             </a:gdLst>
             <a:ahLst/>
             <a:cxnLst>
               <a:cxn ang="0">
-                <a:pos x="csX0" y="csY0"/>
+                <a:pos x="connsiteX0" y="connsiteY0"/>
               </a:cxn>
               <a:cxn ang="0">
-                <a:pos x="csX1" y="csY1"/>
+                <a:pos x="connsiteX1" y="connsiteY1"/>
               </a:cxn>
               <a:cxn ang="0">
-                <a:pos x="csX2" y="csY2"/>
+                <a:pos x="connsiteX2" y="connsiteY2"/>
               </a:cxn>
               <a:cxn ang="0">
-                <a:pos x="csX3" y="csY3"/>
+                <a:pos x="connsiteX3" y="connsiteY3"/>
               </a:cxn>
               <a:cxn ang="0">
-                <a:pos x="csX4" y="csY4"/>
+                <a:pos x="connsiteX4" y="connsiteY4"/>
               </a:cxn>
               <a:cxn ang="0">
-                <a:pos x="csX5" y="csY5"/>
+                <a:pos x="connsiteX5" y="connsiteY5"/>
               </a:cxn>
               <a:cxn ang="0">
-                <a:pos x="csX6" y="csY6"/>
+                <a:pos x="connsiteX6" y="connsiteY6"/>
               </a:cxn>
               <a:cxn ang="0">
-                <a:pos x="csX7" y="csY7"/>
+                <a:pos x="connsiteX7" y="connsiteY7"/>
               </a:cxn>
               <a:cxn ang="0">
-                <a:pos x="csX8" y="csY8"/>
+                <a:pos x="connsiteX8" y="connsiteY8"/>
               </a:cxn>
               <a:cxn ang="0">
-                <a:pos x="csX9" y="csY9"/>
+                <a:pos x="connsiteX9" y="connsiteY9"/>
               </a:cxn>
               <a:cxn ang="0">
-                <a:pos x="csX10" y="csY10"/>
+                <a:pos x="connsiteX10" y="connsiteY10"/>
               </a:cxn>
               <a:cxn ang="0">
-                <a:pos x="csX11" y="csY11"/>
+                <a:pos x="connsiteX11" y="connsiteY11"/>
               </a:cxn>
               <a:cxn ang="0">
-                <a:pos x="csX12" y="csY12"/>
+                <a:pos x="connsiteX12" y="connsiteY12"/>
               </a:cxn>
               <a:cxn ang="0">
-                <a:pos x="csX13" y="csY13"/>
+                <a:pos x="connsiteX13" y="connsiteY13"/>
               </a:cxn>
               <a:cxn ang="0">
-                <a:pos x="csX14" y="csY14"/>
+                <a:pos x="connsiteX14" y="connsiteY14"/>
               </a:cxn>
               <a:cxn ang="0">
-                <a:pos x="csX15" y="csY15"/>
+                <a:pos x="connsiteX15" y="connsiteY15"/>
               </a:cxn>
               <a:cxn ang="0">
-                <a:pos x="csX16" y="csY16"/>
+                <a:pos x="connsiteX16" y="connsiteY16"/>
               </a:cxn>
             </a:cxnLst>
             <a:rect l="l" t="t" r="r" b="b"/>
